--- a/2DGP 2차 발표.pptx
+++ b/2DGP 2차 발표.pptx
@@ -113,14 +113,6 @@
     </p:ext>
   </p:extLst>
 </p:presentation>
-</file>
-
-<file path=ppt/revisionInfo.xml><?xml version="1.0" encoding="utf-8"?>
-<p1510:revInfo xmlns:a="http://schemas.openxmlformats.org/drawingml/2006/main" xmlns:r="http://schemas.openxmlformats.org/officeDocument/2006/relationships" xmlns:p1510="http://schemas.microsoft.com/office/powerpoint/2015/10/main">
-  <p1510:revLst>
-    <p1510:client id="{8541234F-AD3E-48F4-8ACC-8C755E494E7A}" v="69" dt="2025-09-29T11:19:39.094"/>
-  </p1510:revLst>
-</p1510:revInfo>
 </file>
 
 <file path=ppt/slideLayouts/slideLayout1.xml><?xml version="1.0" encoding="utf-8"?>
@@ -4056,7 +4048,7 @@
                 <a:ea typeface="Microsoft GothicNeo" panose="020B0500000101010101" pitchFamily="50" charset="-127"/>
                 <a:cs typeface="Microsoft GothicNeo" panose="020B0500000101010101" pitchFamily="50" charset="-127"/>
               </a:rPr>
-              <a:t>80%</a:t>
+              <a:t>87.5%</a:t>
             </a:r>
             <a:endParaRPr lang="ko-KR" altLang="en-US" sz="2000" dirty="0">
               <a:latin typeface="Microsoft GothicNeo" panose="020B0500000101010101" pitchFamily="50" charset="-127"/>
@@ -4082,14 +4074,14 @@
             <p:ph idx="1"/>
             <p:extLst>
               <p:ext uri="{D42A27DB-BD31-4B8C-83A1-F6EECF244321}">
-                <p14:modId xmlns:p14="http://schemas.microsoft.com/office/powerpoint/2010/main" val="740288379"/>
+                <p14:modId xmlns:p14="http://schemas.microsoft.com/office/powerpoint/2010/main" val="4216820350"/>
               </p:ext>
             </p:extLst>
           </p:nvPr>
         </p:nvGraphicFramePr>
         <p:xfrm>
           <a:off x="838201" y="870969"/>
-          <a:ext cx="10515598" cy="5745480"/>
+          <a:ext cx="10515598" cy="5537200"/>
         </p:xfrm>
         <a:graphic>
           <a:graphicData uri="http://schemas.openxmlformats.org/drawingml/2006/table">
@@ -4809,14 +4801,11 @@
                     <a:lstStyle/>
                     <a:p>
                       <a:pPr latinLnBrk="1"/>
-                      <a:r>
-                        <a:rPr lang="ko-KR" altLang="en-US" sz="1600" dirty="0">
-                          <a:latin typeface="Microsoft GothicNeo Light" panose="020B0300000101010101" pitchFamily="50" charset="-127"/>
-                          <a:ea typeface="Microsoft GothicNeo Light" panose="020B0300000101010101" pitchFamily="50" charset="-127"/>
-                          <a:cs typeface="Microsoft GothicNeo Light" panose="020B0300000101010101" pitchFamily="50" charset="-127"/>
-                        </a:rPr>
-                        <a:t>각 지형의 경계처리 및 환경 오브젝트 추가 구현 필요</a:t>
-                      </a:r>
+                      <a:endParaRPr lang="ko-KR" altLang="en-US" sz="1600" dirty="0">
+                        <a:latin typeface="Microsoft GothicNeo Light" panose="020B0300000101010101" pitchFamily="50" charset="-127"/>
+                        <a:ea typeface="Microsoft GothicNeo Light" panose="020B0300000101010101" pitchFamily="50" charset="-127"/>
+                        <a:cs typeface="Microsoft GothicNeo Light" panose="020B0300000101010101" pitchFamily="50" charset="-127"/>
+                      </a:endParaRPr>
                     </a:p>
                   </a:txBody>
                   <a:tcPr/>
@@ -4828,18 +4817,13 @@
                     <a:p>
                       <a:pPr latinLnBrk="1"/>
                       <a:r>
-                        <a:rPr lang="en-US" altLang="ko-KR" sz="1600" dirty="0">
+                        <a:rPr lang="ko-KR" altLang="en-US" sz="1600" dirty="0">
                           <a:latin typeface="Microsoft GothicNeo Light" panose="020B0300000101010101" pitchFamily="50" charset="-127"/>
                           <a:ea typeface="Microsoft GothicNeo Light" panose="020B0300000101010101" pitchFamily="50" charset="-127"/>
                           <a:cs typeface="Microsoft GothicNeo Light" panose="020B0300000101010101" pitchFamily="50" charset="-127"/>
                         </a:rPr>
-                        <a:t>50%</a:t>
+                        <a:t>진행 예정</a:t>
                       </a:r>
-                      <a:endParaRPr lang="ko-KR" altLang="en-US" sz="1600" dirty="0">
-                        <a:latin typeface="Microsoft GothicNeo Light" panose="020B0300000101010101" pitchFamily="50" charset="-127"/>
-                        <a:ea typeface="Microsoft GothicNeo Light" panose="020B0300000101010101" pitchFamily="50" charset="-127"/>
-                        <a:cs typeface="Microsoft GothicNeo Light" panose="020B0300000101010101" pitchFamily="50" charset="-127"/>
-                      </a:endParaRPr>
                     </a:p>
                   </a:txBody>
                   <a:tcPr/>
@@ -6047,6 +6031,21 @@
 </file>
 
 <file path=customXml/item1.xml><?xml version="1.0" encoding="utf-8"?>
+<?mso-contentType ?>
+<FormTemplates xmlns="http://schemas.microsoft.com/sharepoint/v3/contenttype/forms">
+  <Display>DocumentLibraryForm</Display>
+  <Edit>DocumentLibraryForm</Edit>
+  <New>DocumentLibraryForm</New>
+</FormTemplates>
+</file>
+
+<file path=customXml/item2.xml><?xml version="1.0" encoding="utf-8"?>
+<p:properties xmlns:p="http://schemas.microsoft.com/office/2006/metadata/properties" xmlns:xsi="http://www.w3.org/2001/XMLSchema-instance" xmlns:pc="http://schemas.microsoft.com/office/infopath/2007/PartnerControls">
+  <documentManagement/>
+</p:properties>
+</file>
+
+<file path=customXml/item3.xml><?xml version="1.0" encoding="utf-8"?>
 <ct:contentTypeSchema xmlns:ct="http://schemas.microsoft.com/office/2006/metadata/contentType" xmlns:ma="http://schemas.microsoft.com/office/2006/metadata/properties/metaAttributes" ct:_="" ma:_="" ma:contentTypeName="문서" ma:contentTypeID="0x010100006A53A5C53C8A4BB1258D2FF75B3C93" ma:contentTypeVersion="5" ma:contentTypeDescription="새 문서를 만듭니다." ma:contentTypeScope="" ma:versionID="b0dcc3d2a6984e283fa298800ed865c9">
   <xsd:schema xmlns:xsd="http://www.w3.org/2001/XMLSchema" xmlns:xs="http://www.w3.org/2001/XMLSchema" xmlns:p="http://schemas.microsoft.com/office/2006/metadata/properties" xmlns:ns3="7d88537b-d74d-45e6-a1e8-5bc8528c40cf" targetNamespace="http://schemas.microsoft.com/office/2006/metadata/properties" ma:root="true" ma:fieldsID="b85f56dcdca9a35a2dbb566f38dedcdf" ns3:_="">
     <xsd:import namespace="7d88537b-d74d-45e6-a1e8-5bc8528c40cf"/>
@@ -6196,22 +6195,31 @@
 </ct:contentTypeSchema>
 </file>
 
-<file path=customXml/item2.xml><?xml version="1.0" encoding="utf-8"?>
-<p:properties xmlns:p="http://schemas.microsoft.com/office/2006/metadata/properties" xmlns:xsi="http://www.w3.org/2001/XMLSchema-instance" xmlns:pc="http://schemas.microsoft.com/office/infopath/2007/PartnerControls">
-  <documentManagement/>
-</p:properties>
+<file path=customXml/itemProps1.xml><?xml version="1.0" encoding="utf-8"?>
+<ds:datastoreItem xmlns:ds="http://schemas.openxmlformats.org/officeDocument/2006/customXml" ds:itemID="{DEC68BD1-F031-4558-BC3D-7E0B934F2443}">
+  <ds:schemaRefs>
+    <ds:schemaRef ds:uri="http://schemas.microsoft.com/sharepoint/v3/contenttype/forms"/>
+  </ds:schemaRefs>
+</ds:datastoreItem>
 </file>
 
-<file path=customXml/item3.xml><?xml version="1.0" encoding="utf-8"?>
-<?mso-contentType ?>
-<FormTemplates xmlns="http://schemas.microsoft.com/sharepoint/v3/contenttype/forms">
-  <Display>DocumentLibraryForm</Display>
-  <Edit>DocumentLibraryForm</Edit>
-  <New>DocumentLibraryForm</New>
-</FormTemplates>
+<file path=customXml/itemProps2.xml><?xml version="1.0" encoding="utf-8"?>
+<ds:datastoreItem xmlns:ds="http://schemas.openxmlformats.org/officeDocument/2006/customXml" ds:itemID="{E2429C52-0A3F-428E-83EB-706C0C0E669F}">
+  <ds:schemaRefs>
+    <ds:schemaRef ds:uri="http://schemas.openxmlformats.org/package/2006/metadata/core-properties"/>
+    <ds:schemaRef ds:uri="http://schemas.microsoft.com/office/infopath/2007/PartnerControls"/>
+    <ds:schemaRef ds:uri="http://schemas.microsoft.com/office/2006/documentManagement/types"/>
+    <ds:schemaRef ds:uri="http://purl.org/dc/elements/1.1/"/>
+    <ds:schemaRef ds:uri="http://www.w3.org/XML/1998/namespace"/>
+    <ds:schemaRef ds:uri="7d88537b-d74d-45e6-a1e8-5bc8528c40cf"/>
+    <ds:schemaRef ds:uri="http://schemas.microsoft.com/office/2006/metadata/properties"/>
+    <ds:schemaRef ds:uri="http://purl.org/dc/dcmitype/"/>
+    <ds:schemaRef ds:uri="http://purl.org/dc/terms/"/>
+  </ds:schemaRefs>
+</ds:datastoreItem>
 </file>
 
-<file path=customXml/itemProps1.xml><?xml version="1.0" encoding="utf-8"?>
+<file path=customXml/itemProps3.xml><?xml version="1.0" encoding="utf-8"?>
 <ds:datastoreItem xmlns:ds="http://schemas.openxmlformats.org/officeDocument/2006/customXml" ds:itemID="{1F993B12-AFF3-494C-9932-3A99249B1421}">
   <ds:schemaRefs>
     <ds:schemaRef ds:uri="http://schemas.microsoft.com/office/2006/metadata/contentType"/>
@@ -6227,28 +6235,4 @@
     <ds:schemaRef ds:uri="http://schemas.microsoft.com/internal/obd"/>
   </ds:schemaRefs>
 </ds:datastoreItem>
-</file>
-
-<file path=customXml/itemProps2.xml><?xml version="1.0" encoding="utf-8"?>
-<ds:datastoreItem xmlns:ds="http://schemas.openxmlformats.org/officeDocument/2006/customXml" ds:itemID="{E2429C52-0A3F-428E-83EB-706C0C0E669F}">
-  <ds:schemaRefs>
-    <ds:schemaRef ds:uri="http://purl.org/dc/elements/1.1/"/>
-    <ds:schemaRef ds:uri="http://purl.org/dc/dcmitype/"/>
-    <ds:schemaRef ds:uri="http://schemas.microsoft.com/office/infopath/2007/PartnerControls"/>
-    <ds:schemaRef ds:uri="http://purl.org/dc/terms/"/>
-    <ds:schemaRef ds:uri="http://schemas.microsoft.com/office/2006/metadata/properties"/>
-    <ds:schemaRef ds:uri="http://schemas.microsoft.com/office/2006/documentManagement/types"/>
-    <ds:schemaRef ds:uri="http://www.w3.org/XML/1998/namespace"/>
-    <ds:schemaRef ds:uri="http://schemas.openxmlformats.org/package/2006/metadata/core-properties"/>
-    <ds:schemaRef ds:uri="7d88537b-d74d-45e6-a1e8-5bc8528c40cf"/>
-  </ds:schemaRefs>
-</ds:datastoreItem>
-</file>
-
-<file path=customXml/itemProps3.xml><?xml version="1.0" encoding="utf-8"?>
-<ds:datastoreItem xmlns:ds="http://schemas.openxmlformats.org/officeDocument/2006/customXml" ds:itemID="{DEC68BD1-F031-4558-BC3D-7E0B934F2443}">
-  <ds:schemaRefs>
-    <ds:schemaRef ds:uri="http://schemas.microsoft.com/sharepoint/v3/contenttype/forms"/>
-  </ds:schemaRefs>
-</ds:datastoreItem>
 </file>